--- a/Presentations/Module 00 - Agenda & Scope.pptx
+++ b/Presentations/Module 00 - Agenda & Scope.pptx
@@ -286,7 +286,7 @@
               <a:rPr lang="en-US" smtClean="0">
                 <a:latin typeface="Segoe UI" pitchFamily="34" charset="0"/>
               </a:rPr>
-              <a:t>2018-05-16 8:19 PM</a:t>
+              <a:t>2022-12-01 10:55 PM</a:t>
             </a:fld>
             <a:endParaRPr lang="en-US" dirty="0">
               <a:latin typeface="Segoe UI" pitchFamily="34" charset="0"/>
@@ -564,7 +564,7 @@
           <a:p>
             <a:fld id="{38EEC551-8CDA-4EB6-89BB-2A86C9F091C8}" type="datetime8">
               <a:rPr lang="en-US" smtClean="0"/>
-              <a:t>2018-05-16 8:19 PM</a:t>
+              <a:t>2022-12-01 10:54 PM</a:t>
             </a:fld>
             <a:endParaRPr lang="en-US" dirty="0"/>
           </a:p>
@@ -931,7 +931,7 @@
           <a:p>
             <a:fld id="{6D0596E5-6523-4DD8-A9ED-0418BD42519C}" type="datetime8">
               <a:rPr lang="en-US" smtClean="0"/>
-              <a:t>2018-05-16 8:19 PM</a:t>
+              <a:t>2022-12-01 10:54 PM</a:t>
             </a:fld>
             <a:endParaRPr lang="en-US" dirty="0"/>
           </a:p>
@@ -1142,7 +1142,7 @@
                   <a:prstClr val="black"/>
                 </a:solidFill>
               </a:rPr>
-              <a:t>2018-05-16 8:19 PM</a:t>
+              <a:t>2022-12-01 10:54 PM</a:t>
             </a:fld>
             <a:endParaRPr lang="en-US" dirty="0">
               <a:solidFill>
@@ -17147,7 +17147,7 @@
       </a:lvl9pPr>
     </p:otherStyle>
   </p:txStyles>
-  <p:extLst mod="1">
+  <p:extLst>
     <p:ext uri="{27BBF7A9-308A-43DC-89C8-2F10F3537804}">
       <p15:sldGuideLst xmlns:p15="http://schemas.microsoft.com/office/powerpoint/2012/main">
         <p15:guide id="1" orient="horz" pos="187">
@@ -17810,7 +17810,7 @@
       </a:lvl9pPr>
     </p:otherStyle>
   </p:txStyles>
-  <p:extLst mod="1">
+  <p:extLst>
     <p:ext uri="{27BBF7A9-308A-43DC-89C8-2F10F3537804}">
       <p15:sldGuideLst xmlns:p15="http://schemas.microsoft.com/office/powerpoint/2012/main">
         <p15:guide id="1" orient="horz" pos="187">
@@ -18476,7 +18476,7 @@
       </a:lvl9pPr>
     </p:otherStyle>
   </p:txStyles>
-  <p:extLst mod="1">
+  <p:extLst>
     <p:ext uri="{27BBF7A9-308A-43DC-89C8-2F10F3537804}">
       <p15:sldGuideLst xmlns:p15="http://schemas.microsoft.com/office/powerpoint/2012/main">
         <p15:guide id="1" orient="horz" pos="187">
@@ -19143,7 +19143,7 @@
       </a:lvl9pPr>
     </p:otherStyle>
   </p:txStyles>
-  <p:extLst mod="1">
+  <p:extLst>
     <p:ext uri="{27BBF7A9-308A-43DC-89C8-2F10F3537804}">
       <p15:sldGuideLst xmlns:p15="http://schemas.microsoft.com/office/powerpoint/2012/main">
         <p15:guide id="1" orient="horz" pos="187">
@@ -20588,14 +20588,14 @@
           <p:nvPr>
             <p:extLst>
               <p:ext uri="{D42A27DB-BD31-4B8C-83A1-F6EECF244321}">
-                <p14:modId xmlns:p14="http://schemas.microsoft.com/office/powerpoint/2010/main" val="2871860379"/>
+                <p14:modId xmlns:p14="http://schemas.microsoft.com/office/powerpoint/2010/main" val="3531931678"/>
               </p:ext>
             </p:extLst>
           </p:nvPr>
         </p:nvGraphicFramePr>
         <p:xfrm>
           <a:off x="427037" y="1211262"/>
-          <a:ext cx="11277600" cy="3708400"/>
+          <a:ext cx="8209358" cy="3708400"/>
         </p:xfrm>
         <a:graphic>
           <a:graphicData uri="http://schemas.openxmlformats.org/drawingml/2006/table">
@@ -20604,13 +20604,6 @@
                 <a:tableStyleId>{5C22544A-7EE6-4342-B048-85BDC9FD1C3A}</a:tableStyleId>
               </a:tblPr>
               <a:tblGrid>
-                <a:gridCol w="3068242">
-                  <a:extLst>
-                    <a:ext uri="{9D8B030D-6E8A-4147-A177-3AD203B41FA5}">
-                      <a16:colId xmlns:a16="http://schemas.microsoft.com/office/drawing/2014/main" val="1048663817"/>
-                    </a:ext>
-                  </a:extLst>
-                </a:gridCol>
                 <a:gridCol w="2690360">
                   <a:extLst>
                     <a:ext uri="{9D8B030D-6E8A-4147-A177-3AD203B41FA5}">
@@ -20627,20 +20620,6 @@
                 </a:gridCol>
               </a:tblGrid>
               <a:tr h="370840">
-                <a:tc>
-                  <a:txBody>
-                    <a:bodyPr/>
-                    <a:lstStyle/>
-                    <a:p>
-                      <a:pPr algn="ctr"/>
-                      <a:r>
-                        <a:rPr lang="en-US" dirty="0"/>
-                        <a:t>Day</a:t>
-                      </a:r>
-                    </a:p>
-                  </a:txBody>
-                  <a:tcPr/>
-                </a:tc>
                 <a:tc>
                   <a:txBody>
                     <a:bodyPr/>
@@ -20684,20 +20663,6 @@
                       <a:pPr algn="l"/>
                       <a:r>
                         <a:rPr lang="en-US" dirty="0"/>
-                        <a:t>Wednesday, May 8, 2018</a:t>
-                      </a:r>
-                    </a:p>
-                  </a:txBody>
-                  <a:tcPr/>
-                </a:tc>
-                <a:tc>
-                  <a:txBody>
-                    <a:bodyPr/>
-                    <a:lstStyle/>
-                    <a:p>
-                      <a:pPr algn="l"/>
-                      <a:r>
-                        <a:rPr lang="en-US" dirty="0"/>
                         <a:t>9:00 AM – 10:30 AM</a:t>
                       </a:r>
                     </a:p>
@@ -20725,17 +20690,6 @@
                 </a:extLst>
               </a:tr>
               <a:tr h="370840">
-                <a:tc>
-                  <a:txBody>
-                    <a:bodyPr/>
-                    <a:lstStyle/>
-                    <a:p>
-                      <a:pPr algn="l"/>
-                      <a:endParaRPr lang="en-US" dirty="0"/>
-                    </a:p>
-                  </a:txBody>
-                  <a:tcPr/>
-                </a:tc>
                 <a:tc>
                   <a:txBody>
                     <a:bodyPr/>
@@ -20777,17 +20731,6 @@
                     <a:lstStyle/>
                     <a:p>
                       <a:pPr algn="l"/>
-                      <a:endParaRPr lang="en-US" dirty="0"/>
-                    </a:p>
-                  </a:txBody>
-                  <a:tcPr/>
-                </a:tc>
-                <a:tc>
-                  <a:txBody>
-                    <a:bodyPr/>
-                    <a:lstStyle/>
-                    <a:p>
-                      <a:pPr algn="l"/>
                       <a:r>
                         <a:rPr lang="en-US" dirty="0"/>
                         <a:t>10:45 AM – 11:15 AM</a:t>
@@ -20817,17 +20760,6 @@
                 </a:extLst>
               </a:tr>
               <a:tr h="370840">
-                <a:tc>
-                  <a:txBody>
-                    <a:bodyPr/>
-                    <a:lstStyle/>
-                    <a:p>
-                      <a:pPr algn="l"/>
-                      <a:endParaRPr lang="en-US" dirty="0"/>
-                    </a:p>
-                  </a:txBody>
-                  <a:tcPr/>
-                </a:tc>
                 <a:tc>
                   <a:txBody>
                     <a:bodyPr/>
@@ -20869,17 +20801,6 @@
                     <a:lstStyle/>
                     <a:p>
                       <a:pPr algn="l"/>
-                      <a:endParaRPr lang="en-US" dirty="0"/>
-                    </a:p>
-                  </a:txBody>
-                  <a:tcPr/>
-                </a:tc>
-                <a:tc>
-                  <a:txBody>
-                    <a:bodyPr/>
-                    <a:lstStyle/>
-                    <a:p>
-                      <a:pPr algn="l"/>
                       <a:r>
                         <a:rPr lang="en-US" dirty="0"/>
                         <a:t>12:00 PM – 1:00 PM</a:t>
@@ -20909,17 +20830,6 @@
                 </a:extLst>
               </a:tr>
               <a:tr h="370840">
-                <a:tc>
-                  <a:txBody>
-                    <a:bodyPr/>
-                    <a:lstStyle/>
-                    <a:p>
-                      <a:pPr algn="l"/>
-                      <a:endParaRPr lang="en-US" dirty="0"/>
-                    </a:p>
-                  </a:txBody>
-                  <a:tcPr/>
-                </a:tc>
                 <a:tc>
                   <a:txBody>
                     <a:bodyPr/>
@@ -20961,17 +20871,6 @@
                     <a:lstStyle/>
                     <a:p>
                       <a:pPr algn="l"/>
-                      <a:endParaRPr lang="en-US" dirty="0"/>
-                    </a:p>
-                  </a:txBody>
-                  <a:tcPr/>
-                </a:tc>
-                <a:tc>
-                  <a:txBody>
-                    <a:bodyPr/>
-                    <a:lstStyle/>
-                    <a:p>
-                      <a:pPr algn="l"/>
                       <a:r>
                         <a:rPr lang="en-US" dirty="0"/>
                         <a:t>1:30 PM – 2:15 PM</a:t>
@@ -21007,17 +20906,6 @@
                     <a:lstStyle/>
                     <a:p>
                       <a:pPr algn="l"/>
-                      <a:endParaRPr lang="en-US" dirty="0"/>
-                    </a:p>
-                  </a:txBody>
-                  <a:tcPr/>
-                </a:tc>
-                <a:tc>
-                  <a:txBody>
-                    <a:bodyPr/>
-                    <a:lstStyle/>
-                    <a:p>
-                      <a:pPr algn="l"/>
                       <a:r>
                         <a:rPr lang="en-US" dirty="0"/>
                         <a:t>2:15 PM – 2:30 PM</a:t>
@@ -21047,17 +20935,6 @@
                 </a:extLst>
               </a:tr>
               <a:tr h="370840">
-                <a:tc>
-                  <a:txBody>
-                    <a:bodyPr/>
-                    <a:lstStyle/>
-                    <a:p>
-                      <a:pPr algn="l"/>
-                      <a:endParaRPr lang="en-US" dirty="0"/>
-                    </a:p>
-                  </a:txBody>
-                  <a:tcPr/>
-                </a:tc>
                 <a:tc>
                   <a:txBody>
                     <a:bodyPr/>
@@ -21172,14 +21049,14 @@
           <p:nvPr>
             <p:extLst>
               <p:ext uri="{D42A27DB-BD31-4B8C-83A1-F6EECF244321}">
-                <p14:modId xmlns:p14="http://schemas.microsoft.com/office/powerpoint/2010/main" val="2150585750"/>
+                <p14:modId xmlns:p14="http://schemas.microsoft.com/office/powerpoint/2010/main" val="3081421787"/>
               </p:ext>
             </p:extLst>
           </p:nvPr>
         </p:nvGraphicFramePr>
         <p:xfrm>
           <a:off x="427037" y="1211262"/>
-          <a:ext cx="11277600" cy="3337560"/>
+          <a:ext cx="8209358" cy="3337560"/>
         </p:xfrm>
         <a:graphic>
           <a:graphicData uri="http://schemas.openxmlformats.org/drawingml/2006/table">
@@ -21188,13 +21065,6 @@
                 <a:tableStyleId>{5C22544A-7EE6-4342-B048-85BDC9FD1C3A}</a:tableStyleId>
               </a:tblPr>
               <a:tblGrid>
-                <a:gridCol w="3068242">
-                  <a:extLst>
-                    <a:ext uri="{9D8B030D-6E8A-4147-A177-3AD203B41FA5}">
-                      <a16:colId xmlns:a16="http://schemas.microsoft.com/office/drawing/2014/main" val="1048663817"/>
-                    </a:ext>
-                  </a:extLst>
-                </a:gridCol>
                 <a:gridCol w="2690360">
                   <a:extLst>
                     <a:ext uri="{9D8B030D-6E8A-4147-A177-3AD203B41FA5}">
@@ -21211,20 +21081,6 @@
                 </a:gridCol>
               </a:tblGrid>
               <a:tr h="370840">
-                <a:tc>
-                  <a:txBody>
-                    <a:bodyPr/>
-                    <a:lstStyle/>
-                    <a:p>
-                      <a:pPr algn="ctr"/>
-                      <a:r>
-                        <a:rPr lang="en-US" dirty="0"/>
-                        <a:t>Day</a:t>
-                      </a:r>
-                    </a:p>
-                  </a:txBody>
-                  <a:tcPr/>
-                </a:tc>
                 <a:tc>
                   <a:txBody>
                     <a:bodyPr/>
@@ -21268,20 +21124,6 @@
                       <a:pPr algn="l"/>
                       <a:r>
                         <a:rPr lang="en-US" dirty="0"/>
-                        <a:t>Thursday, May 9, 2018</a:t>
-                      </a:r>
-                    </a:p>
-                  </a:txBody>
-                  <a:tcPr/>
-                </a:tc>
-                <a:tc>
-                  <a:txBody>
-                    <a:bodyPr/>
-                    <a:lstStyle/>
-                    <a:p>
-                      <a:pPr algn="l"/>
-                      <a:r>
-                        <a:rPr lang="en-US" dirty="0"/>
                         <a:t>8:00 AM – 8:30 AM</a:t>
                       </a:r>
                     </a:p>
@@ -21309,17 +21151,6 @@
                 </a:extLst>
               </a:tr>
               <a:tr h="370840">
-                <a:tc>
-                  <a:txBody>
-                    <a:bodyPr/>
-                    <a:lstStyle/>
-                    <a:p>
-                      <a:pPr algn="l"/>
-                      <a:endParaRPr lang="en-US" dirty="0"/>
-                    </a:p>
-                  </a:txBody>
-                  <a:tcPr/>
-                </a:tc>
                 <a:tc>
                   <a:txBody>
                     <a:bodyPr/>
@@ -21361,17 +21192,6 @@
                     <a:lstStyle/>
                     <a:p>
                       <a:pPr algn="l"/>
-                      <a:endParaRPr lang="en-US" dirty="0"/>
-                    </a:p>
-                  </a:txBody>
-                  <a:tcPr/>
-                </a:tc>
-                <a:tc>
-                  <a:txBody>
-                    <a:bodyPr/>
-                    <a:lstStyle/>
-                    <a:p>
-                      <a:pPr algn="l"/>
                       <a:r>
                         <a:rPr lang="en-US" dirty="0"/>
                         <a:t>10:30 AM – 10:45 AM</a:t>
@@ -21401,17 +21221,6 @@
                 </a:extLst>
               </a:tr>
               <a:tr h="370840">
-                <a:tc>
-                  <a:txBody>
-                    <a:bodyPr/>
-                    <a:lstStyle/>
-                    <a:p>
-                      <a:pPr algn="l"/>
-                      <a:endParaRPr lang="en-US" dirty="0"/>
-                    </a:p>
-                  </a:txBody>
-                  <a:tcPr/>
-                </a:tc>
                 <a:tc>
                   <a:txBody>
                     <a:bodyPr/>
@@ -21453,17 +21262,6 @@
                     <a:lstStyle/>
                     <a:p>
                       <a:pPr algn="l"/>
-                      <a:endParaRPr lang="en-US" dirty="0"/>
-                    </a:p>
-                  </a:txBody>
-                  <a:tcPr/>
-                </a:tc>
-                <a:tc>
-                  <a:txBody>
-                    <a:bodyPr/>
-                    <a:lstStyle/>
-                    <a:p>
-                      <a:pPr algn="l"/>
                       <a:r>
                         <a:rPr lang="en-US" dirty="0"/>
                         <a:t>12:00 PM – 1:00 PM</a:t>
@@ -21493,17 +21291,6 @@
                 </a:extLst>
               </a:tr>
               <a:tr h="370840">
-                <a:tc>
-                  <a:txBody>
-                    <a:bodyPr/>
-                    <a:lstStyle/>
-                    <a:p>
-                      <a:pPr algn="l"/>
-                      <a:endParaRPr lang="en-US" dirty="0"/>
-                    </a:p>
-                  </a:txBody>
-                  <a:tcPr/>
-                </a:tc>
                 <a:tc>
                   <a:txBody>
                     <a:bodyPr/>
@@ -21545,17 +21332,6 @@
                     <a:lstStyle/>
                     <a:p>
                       <a:pPr algn="l"/>
-                      <a:endParaRPr lang="en-US" dirty="0"/>
-                    </a:p>
-                  </a:txBody>
-                  <a:tcPr/>
-                </a:tc>
-                <a:tc>
-                  <a:txBody>
-                    <a:bodyPr/>
-                    <a:lstStyle/>
-                    <a:p>
-                      <a:pPr algn="l"/>
                       <a:r>
                         <a:rPr lang="en-US" dirty="0"/>
                         <a:t>2:15 PM – 2:30 PM</a:t>
@@ -21585,17 +21361,6 @@
                 </a:extLst>
               </a:tr>
               <a:tr h="370840">
-                <a:tc>
-                  <a:txBody>
-                    <a:bodyPr/>
-                    <a:lstStyle/>
-                    <a:p>
-                      <a:pPr algn="l"/>
-                      <a:endParaRPr lang="en-US" dirty="0"/>
-                    </a:p>
-                  </a:txBody>
-                  <a:tcPr/>
-                </a:tc>
                 <a:tc>
                   <a:txBody>
                     <a:bodyPr/>
@@ -21710,14 +21475,14 @@
           <p:nvPr>
             <p:extLst>
               <p:ext uri="{D42A27DB-BD31-4B8C-83A1-F6EECF244321}">
-                <p14:modId xmlns:p14="http://schemas.microsoft.com/office/powerpoint/2010/main" val="3474160306"/>
+                <p14:modId xmlns:p14="http://schemas.microsoft.com/office/powerpoint/2010/main" val="2479257042"/>
               </p:ext>
             </p:extLst>
           </p:nvPr>
         </p:nvGraphicFramePr>
         <p:xfrm>
           <a:off x="427037" y="1211262"/>
-          <a:ext cx="11277600" cy="3708400"/>
+          <a:ext cx="8209358" cy="3708400"/>
         </p:xfrm>
         <a:graphic>
           <a:graphicData uri="http://schemas.openxmlformats.org/drawingml/2006/table">
@@ -21726,13 +21491,6 @@
                 <a:tableStyleId>{5C22544A-7EE6-4342-B048-85BDC9FD1C3A}</a:tableStyleId>
               </a:tblPr>
               <a:tblGrid>
-                <a:gridCol w="3068242">
-                  <a:extLst>
-                    <a:ext uri="{9D8B030D-6E8A-4147-A177-3AD203B41FA5}">
-                      <a16:colId xmlns:a16="http://schemas.microsoft.com/office/drawing/2014/main" val="1048663817"/>
-                    </a:ext>
-                  </a:extLst>
-                </a:gridCol>
                 <a:gridCol w="2690360">
                   <a:extLst>
                     <a:ext uri="{9D8B030D-6E8A-4147-A177-3AD203B41FA5}">
@@ -21749,20 +21507,6 @@
                 </a:gridCol>
               </a:tblGrid>
               <a:tr h="370840">
-                <a:tc>
-                  <a:txBody>
-                    <a:bodyPr/>
-                    <a:lstStyle/>
-                    <a:p>
-                      <a:pPr algn="ctr"/>
-                      <a:r>
-                        <a:rPr lang="en-US" dirty="0"/>
-                        <a:t>Day</a:t>
-                      </a:r>
-                    </a:p>
-                  </a:txBody>
-                  <a:tcPr/>
-                </a:tc>
                 <a:tc>
                   <a:txBody>
                     <a:bodyPr/>
@@ -21806,20 +21550,6 @@
                       <a:pPr algn="l"/>
                       <a:r>
                         <a:rPr lang="en-US" dirty="0"/>
-                        <a:t>Friday, May 9, 2018</a:t>
-                      </a:r>
-                    </a:p>
-                  </a:txBody>
-                  <a:tcPr/>
-                </a:tc>
-                <a:tc>
-                  <a:txBody>
-                    <a:bodyPr/>
-                    <a:lstStyle/>
-                    <a:p>
-                      <a:pPr algn="l"/>
-                      <a:r>
-                        <a:rPr lang="en-US" dirty="0"/>
                         <a:t>8:00 AM – 8:30 AM</a:t>
                       </a:r>
                     </a:p>
@@ -21847,17 +21577,6 @@
                 </a:extLst>
               </a:tr>
               <a:tr h="370840">
-                <a:tc>
-                  <a:txBody>
-                    <a:bodyPr/>
-                    <a:lstStyle/>
-                    <a:p>
-                      <a:pPr algn="l"/>
-                      <a:endParaRPr lang="en-US" dirty="0"/>
-                    </a:p>
-                  </a:txBody>
-                  <a:tcPr/>
-                </a:tc>
                 <a:tc>
                   <a:txBody>
                     <a:bodyPr/>
@@ -21899,17 +21618,6 @@
                     <a:lstStyle/>
                     <a:p>
                       <a:pPr algn="l"/>
-                      <a:endParaRPr lang="en-US" dirty="0"/>
-                    </a:p>
-                  </a:txBody>
-                  <a:tcPr/>
-                </a:tc>
-                <a:tc>
-                  <a:txBody>
-                    <a:bodyPr/>
-                    <a:lstStyle/>
-                    <a:p>
-                      <a:pPr algn="l"/>
                       <a:r>
                         <a:rPr lang="en-US" dirty="0"/>
                         <a:t>10:00 AM – 10:15 AM</a:t>
@@ -21939,17 +21647,6 @@
                 </a:extLst>
               </a:tr>
               <a:tr h="370840">
-                <a:tc>
-                  <a:txBody>
-                    <a:bodyPr/>
-                    <a:lstStyle/>
-                    <a:p>
-                      <a:pPr algn="l"/>
-                      <a:endParaRPr lang="en-US" dirty="0"/>
-                    </a:p>
-                  </a:txBody>
-                  <a:tcPr/>
-                </a:tc>
                 <a:tc>
                   <a:txBody>
                     <a:bodyPr/>
@@ -21991,17 +21688,6 @@
                     <a:lstStyle/>
                     <a:p>
                       <a:pPr algn="l"/>
-                      <a:endParaRPr lang="en-US" dirty="0"/>
-                    </a:p>
-                  </a:txBody>
-                  <a:tcPr/>
-                </a:tc>
-                <a:tc>
-                  <a:txBody>
-                    <a:bodyPr/>
-                    <a:lstStyle/>
-                    <a:p>
-                      <a:pPr algn="l"/>
                       <a:r>
                         <a:rPr lang="en-US" dirty="0"/>
                         <a:t>12:00 PM – 1:00 PM</a:t>
@@ -22031,17 +21717,6 @@
                 </a:extLst>
               </a:tr>
               <a:tr h="370840">
-                <a:tc>
-                  <a:txBody>
-                    <a:bodyPr/>
-                    <a:lstStyle/>
-                    <a:p>
-                      <a:pPr algn="l"/>
-                      <a:endParaRPr lang="en-US" dirty="0"/>
-                    </a:p>
-                  </a:txBody>
-                  <a:tcPr/>
-                </a:tc>
                 <a:tc>
                   <a:txBody>
                     <a:bodyPr/>
@@ -22083,17 +21758,6 @@
                     <a:lstStyle/>
                     <a:p>
                       <a:pPr algn="l"/>
-                      <a:endParaRPr lang="en-US" dirty="0"/>
-                    </a:p>
-                  </a:txBody>
-                  <a:tcPr/>
-                </a:tc>
-                <a:tc>
-                  <a:txBody>
-                    <a:bodyPr/>
-                    <a:lstStyle/>
-                    <a:p>
-                      <a:pPr algn="l"/>
                       <a:r>
                         <a:rPr lang="en-US" dirty="0"/>
                         <a:t>2:15 PM – 2:30 PM</a:t>
@@ -22129,17 +21793,6 @@
                     <a:lstStyle/>
                     <a:p>
                       <a:pPr algn="l"/>
-                      <a:endParaRPr lang="en-US" dirty="0"/>
-                    </a:p>
-                  </a:txBody>
-                  <a:tcPr/>
-                </a:tc>
-                <a:tc>
-                  <a:txBody>
-                    <a:bodyPr/>
-                    <a:lstStyle/>
-                    <a:p>
-                      <a:pPr algn="l"/>
                       <a:r>
                         <a:rPr lang="en-US" dirty="0"/>
                         <a:t>2:30 PM – 3:30 PM</a:t>
@@ -22169,17 +21822,6 @@
                 </a:extLst>
               </a:tr>
               <a:tr h="370840">
-                <a:tc>
-                  <a:txBody>
-                    <a:bodyPr/>
-                    <a:lstStyle/>
-                    <a:p>
-                      <a:pPr algn="l"/>
-                      <a:endParaRPr lang="en-US" dirty="0"/>
-                    </a:p>
-                  </a:txBody>
-                  <a:tcPr/>
-                </a:tc>
                 <a:tc>
                   <a:txBody>
                     <a:bodyPr/>
@@ -22316,13 +21958,13 @@
           <a:p>
             <a:r>
               <a:rPr lang="en-US" dirty="0"/>
-              <a:t>Microsoft SQL Server PFE</a:t>
+              <a:t>Sr. CSA Engineering</a:t>
             </a:r>
           </a:p>
           <a:p>
             <a:r>
               <a:rPr lang="en-US" dirty="0"/>
-              <a:t>8+ Years in Role</a:t>
+              <a:t>12+ Years in Role</a:t>
             </a:r>
           </a:p>
           <a:p>
@@ -24337,14 +23979,67 @@
 
 <file path=customXml/item1.xml><?xml version="1.0" encoding="utf-8"?>
 <?mso-contentType ?>
-<FormTemplates xmlns="http://schemas.microsoft.com/sharepoint/v3/contenttype/forms">
-  <Display>DocumentLibraryForm</Display>
-  <Edit>DocumentLibraryForm</Edit>
-  <New>DocumentLibraryForm</New>
-</FormTemplates>
+<spe:Receivers xmlns:spe="http://schemas.microsoft.com/sharepoint/events">
+  <Receiver>
+    <Name>Document ID Generator</Name>
+    <Synchronization>Synchronous</Synchronization>
+    <Type>10001</Type>
+    <SequenceNumber>1000</SequenceNumber>
+    <Url/>
+    <Assembly>Microsoft.Office.DocumentManagement, Version=16.0.0.0, Culture=neutral, PublicKeyToken=71e9bce111e9429c</Assembly>
+    <Class>Microsoft.Office.DocumentManagement.Internal.DocIdHandler</Class>
+    <Data/>
+    <Filter/>
+  </Receiver>
+  <Receiver>
+    <Name>Document ID Generator</Name>
+    <Synchronization>Synchronous</Synchronization>
+    <Type>10002</Type>
+    <SequenceNumber>1001</SequenceNumber>
+    <Url/>
+    <Assembly>Microsoft.Office.DocumentManagement, Version=16.0.0.0, Culture=neutral, PublicKeyToken=71e9bce111e9429c</Assembly>
+    <Class>Microsoft.Office.DocumentManagement.Internal.DocIdHandler</Class>
+    <Data/>
+    <Filter/>
+  </Receiver>
+  <Receiver>
+    <Name>Document ID Generator</Name>
+    <Synchronization>Synchronous</Synchronization>
+    <Type>10004</Type>
+    <SequenceNumber>1002</SequenceNumber>
+    <Url/>
+    <Assembly>Microsoft.Office.DocumentManagement, Version=16.0.0.0, Culture=neutral, PublicKeyToken=71e9bce111e9429c</Assembly>
+    <Class>Microsoft.Office.DocumentManagement.Internal.DocIdHandler</Class>
+    <Data/>
+    <Filter/>
+  </Receiver>
+  <Receiver>
+    <Name>Document ID Generator</Name>
+    <Synchronization>Synchronous</Synchronization>
+    <Type>10006</Type>
+    <SequenceNumber>1003</SequenceNumber>
+    <Url/>
+    <Assembly>Microsoft.Office.DocumentManagement, Version=16.0.0.0, Culture=neutral, PublicKeyToken=71e9bce111e9429c</Assembly>
+    <Class>Microsoft.Office.DocumentManagement.Internal.DocIdHandler</Class>
+    <Data/>
+    <Filter/>
+  </Receiver>
+</spe:Receivers>
 </file>
 
 <file path=customXml/item2.xml><?xml version="1.0" encoding="utf-8"?>
+<p:properties xmlns:p="http://schemas.microsoft.com/office/2006/metadata/properties" xmlns:xsi="http://www.w3.org/2001/XMLSchema-instance" xmlns:pc="http://schemas.microsoft.com/office/infopath/2007/PartnerControls">
+  <documentManagement>
+    <_dlc_DocId xmlns="230e9df3-be65-4c73-a93b-d1236ebd677e">CPS089-555620336-143</_dlc_DocId>
+    <_dlc_DocIdUrl xmlns="230e9df3-be65-4c73-a93b-d1236ebd677e">
+      <Url>https://microsoft.sharepoint.com/teams/CampusProjectSites089/hahzsakosd/ipdev/_layouts/15/DocIdRedir.aspx?ID=CPS089-555620336-143</Url>
+      <Description>CPS089-555620336-143</Description>
+    </_dlc_DocIdUrl>
+  </documentManagement>
+</p:properties>
+</file>
+
+<file path=customXml/item3.xml><?xml version="1.0" encoding="utf-8"?>
 <ct:contentTypeSchema xmlns:ct="http://schemas.microsoft.com/office/2006/metadata/contentType" xmlns:ma="http://schemas.microsoft.com/office/2006/metadata/properties/metaAttributes" ct:_="" ma:_="" ma:contentTypeName="Document" ma:contentTypeID="0x010100E159D276C0CB3447A69A9CE69396C846" ma:contentTypeVersion="2" ma:contentTypeDescription="Create a new document." ma:contentTypeScope="" ma:versionID="1dc5f255bb5d53da19c6b9c45c545005">
   <xsd:schema xmlns:xsd="http://www.w3.org/2001/XMLSchema" xmlns:xs="http://www.w3.org/2001/XMLSchema" xmlns:p="http://schemas.microsoft.com/office/2006/metadata/properties" xmlns:ns2="230e9df3-be65-4c73-a93b-d1236ebd677e" xmlns:ns3="4b6e114e-4d2a-4f10-9268-ba081d6f28ac" targetNamespace="http://schemas.microsoft.com/office/2006/metadata/properties" ma:root="true" ma:fieldsID="2caf596d414b9a9a356b58e82e2d1a15" ns2:_="" ns3:_="">
     <xsd:import namespace="230e9df3-be65-4c73-a93b-d1236ebd677e"/>
@@ -24506,77 +24201,41 @@
 </ct:contentTypeSchema>
 </file>
 
-<file path=customXml/item3.xml><?xml version="1.0" encoding="utf-8"?>
-<p:properties xmlns:p="http://schemas.microsoft.com/office/2006/metadata/properties" xmlns:xsi="http://www.w3.org/2001/XMLSchema-instance" xmlns:pc="http://schemas.microsoft.com/office/infopath/2007/PartnerControls">
-  <documentManagement>
-    <_dlc_DocId xmlns="230e9df3-be65-4c73-a93b-d1236ebd677e">CPS089-555620336-143</_dlc_DocId>
-    <_dlc_DocIdUrl xmlns="230e9df3-be65-4c73-a93b-d1236ebd677e">
-      <Url>https://microsoft.sharepoint.com/teams/CampusProjectSites089/hahzsakosd/ipdev/_layouts/15/DocIdRedir.aspx?ID=CPS089-555620336-143</Url>
-      <Description>CPS089-555620336-143</Description>
-    </_dlc_DocIdUrl>
-  </documentManagement>
-</p:properties>
-</file>
-
 <file path=customXml/item4.xml><?xml version="1.0" encoding="utf-8"?>
 <?mso-contentType ?>
-<spe:Receivers xmlns:spe="http://schemas.microsoft.com/sharepoint/events">
-  <Receiver>
-    <Name>Document ID Generator</Name>
-    <Synchronization>Synchronous</Synchronization>
-    <Type>10001</Type>
-    <SequenceNumber>1000</SequenceNumber>
-    <Url/>
-    <Assembly>Microsoft.Office.DocumentManagement, Version=16.0.0.0, Culture=neutral, PublicKeyToken=71e9bce111e9429c</Assembly>
-    <Class>Microsoft.Office.DocumentManagement.Internal.DocIdHandler</Class>
-    <Data/>
-    <Filter/>
-  </Receiver>
-  <Receiver>
-    <Name>Document ID Generator</Name>
-    <Synchronization>Synchronous</Synchronization>
-    <Type>10002</Type>
-    <SequenceNumber>1001</SequenceNumber>
-    <Url/>
-    <Assembly>Microsoft.Office.DocumentManagement, Version=16.0.0.0, Culture=neutral, PublicKeyToken=71e9bce111e9429c</Assembly>
-    <Class>Microsoft.Office.DocumentManagement.Internal.DocIdHandler</Class>
-    <Data/>
-    <Filter/>
-  </Receiver>
-  <Receiver>
-    <Name>Document ID Generator</Name>
-    <Synchronization>Synchronous</Synchronization>
-    <Type>10004</Type>
-    <SequenceNumber>1002</SequenceNumber>
-    <Url/>
-    <Assembly>Microsoft.Office.DocumentManagement, Version=16.0.0.0, Culture=neutral, PublicKeyToken=71e9bce111e9429c</Assembly>
-    <Class>Microsoft.Office.DocumentManagement.Internal.DocIdHandler</Class>
-    <Data/>
-    <Filter/>
-  </Receiver>
-  <Receiver>
-    <Name>Document ID Generator</Name>
-    <Synchronization>Synchronous</Synchronization>
-    <Type>10006</Type>
-    <SequenceNumber>1003</SequenceNumber>
-    <Url/>
-    <Assembly>Microsoft.Office.DocumentManagement, Version=16.0.0.0, Culture=neutral, PublicKeyToken=71e9bce111e9429c</Assembly>
-    <Class>Microsoft.Office.DocumentManagement.Internal.DocIdHandler</Class>
-    <Data/>
-    <Filter/>
-  </Receiver>
-</spe:Receivers>
+<FormTemplates xmlns="http://schemas.microsoft.com/sharepoint/v3/contenttype/forms">
+  <Display>DocumentLibraryForm</Display>
+  <Edit>DocumentLibraryForm</Edit>
+  <New>DocumentLibraryForm</New>
+</FormTemplates>
 </file>
 
 <file path=customXml/itemProps1.xml><?xml version="1.0" encoding="utf-8"?>
-<ds:datastoreItem xmlns:ds="http://schemas.openxmlformats.org/officeDocument/2006/customXml" ds:itemID="{758FDAC0-319D-4A54-8D8E-1D42CB1F8004}">
+<ds:datastoreItem xmlns:ds="http://schemas.openxmlformats.org/officeDocument/2006/customXml" ds:itemID="{FEC9592E-82DD-4399-A4BB-5C49E0F6255D}">
   <ds:schemaRefs>
-    <ds:schemaRef ds:uri="http://schemas.microsoft.com/sharepoint/v3/contenttype/forms"/>
+    <ds:schemaRef ds:uri="http://schemas.microsoft.com/sharepoint/events"/>
   </ds:schemaRefs>
 </ds:datastoreItem>
 </file>
 
 <file path=customXml/itemProps2.xml><?xml version="1.0" encoding="utf-8"?>
+<ds:datastoreItem xmlns:ds="http://schemas.openxmlformats.org/officeDocument/2006/customXml" ds:itemID="{F990F116-B58F-4255-B05B-DA3808E0E5C6}">
+  <ds:schemaRefs>
+    <ds:schemaRef ds:uri="http://schemas.microsoft.com/office/infopath/2007/PartnerControls"/>
+    <ds:schemaRef ds:uri="http://purl.org/dc/elements/1.1/"/>
+    <ds:schemaRef ds:uri="230e9df3-be65-4c73-a93b-d1236ebd677e"/>
+    <ds:schemaRef ds:uri="http://purl.org/dc/terms/"/>
+    <ds:schemaRef ds:uri="4b6e114e-4d2a-4f10-9268-ba081d6f28ac"/>
+    <ds:schemaRef ds:uri="http://schemas.openxmlformats.org/package/2006/metadata/core-properties"/>
+    <ds:schemaRef ds:uri="http://schemas.microsoft.com/office/2006/documentManagement/types"/>
+    <ds:schemaRef ds:uri="http://schemas.microsoft.com/office/2006/metadata/properties"/>
+    <ds:schemaRef ds:uri="http://www.w3.org/XML/1998/namespace"/>
+    <ds:schemaRef ds:uri="http://purl.org/dc/dcmitype/"/>
+  </ds:schemaRefs>
+</ds:datastoreItem>
+</file>
+
+<file path=customXml/itemProps3.xml><?xml version="1.0" encoding="utf-8"?>
 <ds:datastoreItem xmlns:ds="http://schemas.openxmlformats.org/officeDocument/2006/customXml" ds:itemID="{2694FA73-0B83-4A62-B0E5-A5BFAD5BFAE6}">
   <ds:schemaRefs>
     <ds:schemaRef ds:uri="http://schemas.microsoft.com/office/2006/metadata/contentType"/>
@@ -24595,27 +24254,16 @@
 </ds:datastoreItem>
 </file>
 
-<file path=customXml/itemProps3.xml><?xml version="1.0" encoding="utf-8"?>
-<ds:datastoreItem xmlns:ds="http://schemas.openxmlformats.org/officeDocument/2006/customXml" ds:itemID="{F990F116-B58F-4255-B05B-DA3808E0E5C6}">
+<file path=customXml/itemProps4.xml><?xml version="1.0" encoding="utf-8"?>
+<ds:datastoreItem xmlns:ds="http://schemas.openxmlformats.org/officeDocument/2006/customXml" ds:itemID="{758FDAC0-319D-4A54-8D8E-1D42CB1F8004}">
   <ds:schemaRefs>
-    <ds:schemaRef ds:uri="http://schemas.microsoft.com/office/infopath/2007/PartnerControls"/>
-    <ds:schemaRef ds:uri="http://purl.org/dc/elements/1.1/"/>
-    <ds:schemaRef ds:uri="230e9df3-be65-4c73-a93b-d1236ebd677e"/>
-    <ds:schemaRef ds:uri="http://purl.org/dc/terms/"/>
-    <ds:schemaRef ds:uri="4b6e114e-4d2a-4f10-9268-ba081d6f28ac"/>
-    <ds:schemaRef ds:uri="http://schemas.openxmlformats.org/package/2006/metadata/core-properties"/>
-    <ds:schemaRef ds:uri="http://schemas.microsoft.com/office/2006/documentManagement/types"/>
-    <ds:schemaRef ds:uri="http://schemas.microsoft.com/office/2006/metadata/properties"/>
-    <ds:schemaRef ds:uri="http://www.w3.org/XML/1998/namespace"/>
-    <ds:schemaRef ds:uri="http://purl.org/dc/dcmitype/"/>
+    <ds:schemaRef ds:uri="http://schemas.microsoft.com/sharepoint/v3/contenttype/forms"/>
   </ds:schemaRefs>
 </ds:datastoreItem>
 </file>
 
-<file path=customXml/itemProps4.xml><?xml version="1.0" encoding="utf-8"?>
-<ds:datastoreItem xmlns:ds="http://schemas.openxmlformats.org/officeDocument/2006/customXml" ds:itemID="{FEC9592E-82DD-4399-A4BB-5C49E0F6255D}">
-  <ds:schemaRefs>
-    <ds:schemaRef ds:uri="http://schemas.microsoft.com/sharepoint/events"/>
-  </ds:schemaRefs>
-</ds:datastoreItem>
+<file path=docMetadata/LabelInfo.xml><?xml version="1.0" encoding="utf-8"?>
+<clbl:labelList xmlns:clbl="http://schemas.microsoft.com/office/2020/mipLabelMetadata">
+  <clbl:label id="{f42aa342-8706-4288-bd11-ebb85995028c}" enabled="1" method="Privileged" siteId="{72f988bf-86f1-41af-91ab-2d7cd011db47}" removed="0"/>
+</clbl:labelList>
 </file>